--- a/2018_ndt_aero/We_4_A_5_Duckhorn.pptx
+++ b/2018_ndt_aero/We_4_A_5_Duckhorn.pptx
@@ -3854,7 +3854,15 @@
             <a:pPr lvl="1"/>
             <a:r>
               <a:rPr lang="en-US" dirty="0"/>
-              <a:t>Convolutional neuronal network (</a:t>
+              <a:t>Convolutional </a:t>
+            </a:r>
+            <a:r>
+              <a:rPr lang="en-US" dirty="0" smtClean="0"/>
+              <a:t>neural </a:t>
+            </a:r>
+            <a:r>
+              <a:rPr lang="en-US" dirty="0"/>
+              <a:t>network (</a:t>
             </a:r>
             <a:r>
               <a:rPr lang="en-US" b="1" dirty="0">
@@ -3872,8 +3880,16 @@
           <a:p>
             <a:pPr lvl="1"/>
             <a:r>
+              <a:rPr lang="en-US"/>
+              <a:t>Deep </a:t>
+            </a:r>
+            <a:r>
+              <a:rPr lang="en-US" smtClean="0"/>
+              <a:t>neural </a:t>
+            </a:r>
+            <a:r>
               <a:rPr lang="en-US" dirty="0"/>
-              <a:t>Deep neuronal network (</a:t>
+              <a:t>network (</a:t>
             </a:r>
             <a:r>
               <a:rPr lang="en-US" b="1" dirty="0">
@@ -4026,15 +4042,7 @@
             <a:pPr lvl="2"/>
             <a:r>
               <a:rPr lang="en-US" dirty="0" smtClean="0"/>
-              <a:t>Use all states </a:t>
-            </a:r>
-            <a:r>
-              <a:rPr lang="en-US" dirty="0" smtClean="0"/>
-              <a:t>for training (also </a:t>
-            </a:r>
-            <a:r>
-              <a:rPr lang="en-US" dirty="0" smtClean="0"/>
-              <a:t>defect ones) =&gt; One class per state</a:t>
+              <a:t>Use all states for training (also defect ones) =&gt; One class per state</a:t>
             </a:r>
           </a:p>
           <a:p>
@@ -4135,15 +4143,7 @@
             <a:pPr lvl="2"/>
             <a:r>
               <a:rPr lang="en-US" dirty="0" smtClean="0"/>
-              <a:t>Use only state Z00 data </a:t>
-            </a:r>
-            <a:r>
-              <a:rPr lang="en-US" dirty="0" smtClean="0"/>
-              <a:t>for training (intact</a:t>
-            </a:r>
-            <a:r>
-              <a:rPr lang="en-US" dirty="0" smtClean="0"/>
-              <a:t>) </a:t>
+              <a:t>Use only state Z00 data for training (intact) </a:t>
             </a:r>
             <a:r>
               <a:rPr lang="en-US" dirty="0"/>
